--- a/testPPT.pptx
+++ b/testPPT.pptx
@@ -294,55 +294,6 @@
           <a:chExt cx="0" cy="0"/>
         </a:xfrm>
       </p:grpSpPr>
-      <p:pic>
-        <p:nvPicPr>
-          <p:cNvPr descr="image-4-2.png" id="2" name="Media File"/>
-          <p:cNvPicPr>
-            <a:picLocks noChangeAspect="1"/>
-          </p:cNvPicPr>
-          <p:nvPr/>
-        </p:nvPicPr>
-        <p:blipFill>
-          <a:blip cstate="print" r:embed="rId2"/>
-          <a:stretch>
-            <a:fillRect/>
-          </a:stretch>
-        </p:blipFill>
-        <p:spPr>
-          <a:xfrm>
-            <a:off x="0" y="228600"/>
-            <a:ext cx="9144000" cy="6858000"/>
-          </a:xfrm>
-          <a:prstGeom prst="rect">
-            <a:avLst/>
-          </a:prstGeom>
-        </p:spPr>
-      </p:pic>
-    </p:spTree>
-  </p:cSld>
-  <p:clrMapOvr>
-    <a:masterClrMapping/>
-  </p:clrMapOvr>
-</p:sld>
-</file>
-
-<file path=ppt/slides/slide5.xml><?xml version="1.0" encoding="utf-8"?>
-<p:sld xmlns:p="http://schemas.openxmlformats.org/presentationml/2006/main" xmlns:a="http://schemas.openxmlformats.org/drawingml/2006/main" xmlns:r="http://schemas.openxmlformats.org/officeDocument/2006/relationships">
-  <p:cSld>
-    <p:spTree>
-      <p:nvGrpSpPr>
-        <p:cNvPr id="1" name=""/>
-        <p:cNvGrpSpPr/>
-        <p:nvPr/>
-      </p:nvGrpSpPr>
-      <p:grpSpPr>
-        <a:xfrm>
-          <a:off x="0" y="0"/>
-          <a:ext cx="0" cy="0"/>
-          <a:chOff x="0" y="0"/>
-          <a:chExt cx="0" cy="0"/>
-        </a:xfrm>
-      </p:grpSpPr>
       <p:sp>
         <p:nvSpPr>
           <p:cNvPr id="2" name="TextBox"/>
@@ -366,7 +317,7 @@
             <a:pPr algn="ctr"/>
             <a:r>
               <a:rPr dirty="0" lang="en-US" smtClean="0" sz="4800"/>
-              <a:t>Test Tab</a:t>
+              <a:t>Exponential</a:t>
             </a:r>
             <a:endParaRPr dirty="0" lang="en-US"/>
           </a:p>
@@ -380,7 +331,7 @@
 </p:sld>
 </file>
 
-<file path=ppt/slides/slide6.xml><?xml version="1.0" encoding="utf-8"?>
+<file path=ppt/slides/slide5.xml><?xml version="1.0" encoding="utf-8"?>
 <p:sld xmlns:p="http://schemas.openxmlformats.org/presentationml/2006/main" xmlns:a="http://schemas.openxmlformats.org/drawingml/2006/main" xmlns:r="http://schemas.openxmlformats.org/officeDocument/2006/relationships">
   <p:cSld>
     <p:spTree>
@@ -399,7 +350,7 @@
       </p:grpSpPr>
       <p:pic>
         <p:nvPicPr>
-          <p:cNvPr descr="image-6-2.png" id="2" name="Media File"/>
+          <p:cNvPr descr="image-5-2.png" id="2" name="Media File"/>
           <p:cNvPicPr>
             <a:picLocks noChangeAspect="1"/>
           </p:cNvPicPr>
@@ -421,6 +372,60 @@
           </a:prstGeom>
         </p:spPr>
       </p:pic>
+    </p:spTree>
+  </p:cSld>
+  <p:clrMapOvr>
+    <a:masterClrMapping/>
+  </p:clrMapOvr>
+</p:sld>
+</file>
+
+<file path=ppt/slides/slide6.xml><?xml version="1.0" encoding="utf-8"?>
+<p:sld xmlns:p="http://schemas.openxmlformats.org/presentationml/2006/main" xmlns:a="http://schemas.openxmlformats.org/drawingml/2006/main" xmlns:r="http://schemas.openxmlformats.org/officeDocument/2006/relationships">
+  <p:cSld>
+    <p:spTree>
+      <p:nvGrpSpPr>
+        <p:cNvPr id="1" name=""/>
+        <p:cNvGrpSpPr/>
+        <p:nvPr/>
+      </p:nvGrpSpPr>
+      <p:grpSpPr>
+        <a:xfrm>
+          <a:off x="0" y="0"/>
+          <a:ext cx="0" cy="0"/>
+          <a:chOff x="0" y="0"/>
+          <a:chExt cx="0" cy="0"/>
+        </a:xfrm>
+      </p:grpSpPr>
+      <p:sp>
+        <p:nvSpPr>
+          <p:cNvPr id="2" name="TextBox"/>
+          <p:cNvSpPr txBox="1"/>
+          <p:nvPr/>
+        </p:nvSpPr>
+        <p:spPr>
+          <a:xfrm rot="0">
+            <a:off x="0" y="0"/>
+            <a:ext cx="9144000" cy="7315200"/>
+          </a:xfrm>
+          <a:prstGeom prst="rect">
+            <a:avLst/>
+          </a:prstGeom>
+          <a:noFill/>
+        </p:spPr>
+        <p:txBody>
+          <a:bodyPr anchor="ctr" rtlCol="0" wrap="square"/>
+          <a:lstStyle/>
+          <a:p>
+            <a:pPr algn="ctr"/>
+            <a:r>
+              <a:rPr dirty="0" lang="en-US" smtClean="0" sz="4800"/>
+              <a:t>Random Tab</a:t>
+            </a:r>
+            <a:endParaRPr dirty="0" lang="en-US"/>
+          </a:p>
+        </p:txBody>
+      </p:sp>
     </p:spTree>
   </p:cSld>
   <p:clrMapOvr>

--- a/testPPT.pptx
+++ b/testPPT.pptx
@@ -16,6 +16,17 @@
     <p:sldId id="261" r:id="rId12"/>
     <p:sldId id="262" r:id="rId13"/>
     <p:sldId id="263" r:id="rId14"/>
+    <p:sldId id="264" r:id="rId15"/>
+    <p:sldId id="265" r:id="rId16"/>
+    <p:sldId id="266" r:id="rId17"/>
+    <p:sldId id="267" r:id="rId18"/>
+    <p:sldId id="268" r:id="rId19"/>
+    <p:sldId id="269" r:id="rId20"/>
+    <p:sldId id="270" r:id="rId21"/>
+    <p:sldId id="271" r:id="rId22"/>
+    <p:sldId id="272" r:id="rId23"/>
+    <p:sldId id="273" r:id="rId24"/>
+    <p:sldId id="274" r:id="rId25"/>
   </p:sldIdLst>
   <p:sldSz cx="9144000" cy="7315200" type="screen4x3"/>
   <p:notesSz cx="9144000" cy="7315200"/>
@@ -174,7 +185,659 @@
 </p:sld>
 </file>
 
+<file path=ppt/slides/slide10.xml><?xml version="1.0" encoding="utf-8"?>
+<p:sld xmlns:p="http://schemas.openxmlformats.org/presentationml/2006/main" xmlns:a="http://schemas.openxmlformats.org/drawingml/2006/main" xmlns:r="http://schemas.openxmlformats.org/officeDocument/2006/relationships">
+  <p:cSld>
+    <p:spTree>
+      <p:nvGrpSpPr>
+        <p:cNvPr id="1" name=""/>
+        <p:cNvGrpSpPr/>
+        <p:nvPr/>
+      </p:nvGrpSpPr>
+      <p:grpSpPr>
+        <a:xfrm>
+          <a:off x="0" y="0"/>
+          <a:ext cx="0" cy="0"/>
+          <a:chOff x="0" y="0"/>
+          <a:chExt cx="0" cy="0"/>
+        </a:xfrm>
+      </p:grpSpPr>
+      <p:pic>
+        <p:nvPicPr>
+          <p:cNvPr descr="image-10-2.png" id="2" name="Media File"/>
+          <p:cNvPicPr>
+            <a:picLocks noChangeAspect="1"/>
+          </p:cNvPicPr>
+          <p:nvPr/>
+        </p:nvPicPr>
+        <p:blipFill>
+          <a:blip cstate="print" r:embed="rId2"/>
+          <a:stretch>
+            <a:fillRect/>
+          </a:stretch>
+        </p:blipFill>
+        <p:spPr>
+          <a:xfrm>
+            <a:off x="0" y="228600"/>
+            <a:ext cx="9144000" cy="6858000"/>
+          </a:xfrm>
+          <a:prstGeom prst="rect">
+            <a:avLst/>
+          </a:prstGeom>
+        </p:spPr>
+      </p:pic>
+    </p:spTree>
+  </p:cSld>
+  <p:clrMapOvr>
+    <a:masterClrMapping/>
+  </p:clrMapOvr>
+</p:sld>
+</file>
+
+<file path=ppt/slides/slide11.xml><?xml version="1.0" encoding="utf-8"?>
+<p:sld xmlns:p="http://schemas.openxmlformats.org/presentationml/2006/main" xmlns:a="http://schemas.openxmlformats.org/drawingml/2006/main" xmlns:r="http://schemas.openxmlformats.org/officeDocument/2006/relationships">
+  <p:cSld>
+    <p:spTree>
+      <p:nvGrpSpPr>
+        <p:cNvPr id="1" name=""/>
+        <p:cNvGrpSpPr/>
+        <p:nvPr/>
+      </p:nvGrpSpPr>
+      <p:grpSpPr>
+        <a:xfrm>
+          <a:off x="0" y="0"/>
+          <a:ext cx="0" cy="0"/>
+          <a:chOff x="0" y="0"/>
+          <a:chExt cx="0" cy="0"/>
+        </a:xfrm>
+      </p:grpSpPr>
+      <p:pic>
+        <p:nvPicPr>
+          <p:cNvPr descr="image-11-2.png" id="2" name="Media File"/>
+          <p:cNvPicPr>
+            <a:picLocks noChangeAspect="1"/>
+          </p:cNvPicPr>
+          <p:nvPr/>
+        </p:nvPicPr>
+        <p:blipFill>
+          <a:blip cstate="print" r:embed="rId2"/>
+          <a:stretch>
+            <a:fillRect/>
+          </a:stretch>
+        </p:blipFill>
+        <p:spPr>
+          <a:xfrm>
+            <a:off x="0" y="228600"/>
+            <a:ext cx="9144000" cy="6858000"/>
+          </a:xfrm>
+          <a:prstGeom prst="rect">
+            <a:avLst/>
+          </a:prstGeom>
+        </p:spPr>
+      </p:pic>
+    </p:spTree>
+  </p:cSld>
+  <p:clrMapOvr>
+    <a:masterClrMapping/>
+  </p:clrMapOvr>
+</p:sld>
+</file>
+
+<file path=ppt/slides/slide12.xml><?xml version="1.0" encoding="utf-8"?>
+<p:sld xmlns:p="http://schemas.openxmlformats.org/presentationml/2006/main" xmlns:a="http://schemas.openxmlformats.org/drawingml/2006/main" xmlns:r="http://schemas.openxmlformats.org/officeDocument/2006/relationships">
+  <p:cSld>
+    <p:spTree>
+      <p:nvGrpSpPr>
+        <p:cNvPr id="1" name=""/>
+        <p:cNvGrpSpPr/>
+        <p:nvPr/>
+      </p:nvGrpSpPr>
+      <p:grpSpPr>
+        <a:xfrm>
+          <a:off x="0" y="0"/>
+          <a:ext cx="0" cy="0"/>
+          <a:chOff x="0" y="0"/>
+          <a:chExt cx="0" cy="0"/>
+        </a:xfrm>
+      </p:grpSpPr>
+      <p:sp>
+        <p:nvSpPr>
+          <p:cNvPr id="2" name="TextBox"/>
+          <p:cNvSpPr txBox="1"/>
+          <p:nvPr/>
+        </p:nvSpPr>
+        <p:spPr>
+          <a:xfrm rot="0">
+            <a:off x="0" y="0"/>
+            <a:ext cx="9144000" cy="7315200"/>
+          </a:xfrm>
+          <a:prstGeom prst="rect">
+            <a:avLst/>
+          </a:prstGeom>
+          <a:noFill/>
+        </p:spPr>
+        <p:txBody>
+          <a:bodyPr anchor="ctr" rtlCol="0" wrap="square"/>
+          <a:lstStyle/>
+          <a:p>
+            <a:pPr algn="ctr"/>
+            <a:r>
+              <a:rPr dirty="0" lang="en-US" smtClean="0" sz="4800"/>
+              <a:t>Test Tab</a:t>
+            </a:r>
+            <a:endParaRPr dirty="0" lang="en-US"/>
+          </a:p>
+        </p:txBody>
+      </p:sp>
+    </p:spTree>
+  </p:cSld>
+  <p:clrMapOvr>
+    <a:masterClrMapping/>
+  </p:clrMapOvr>
+</p:sld>
+</file>
+
+<file path=ppt/slides/slide13.xml><?xml version="1.0" encoding="utf-8"?>
+<p:sld xmlns:p="http://schemas.openxmlformats.org/presentationml/2006/main" xmlns:a="http://schemas.openxmlformats.org/drawingml/2006/main" xmlns:r="http://schemas.openxmlformats.org/officeDocument/2006/relationships">
+  <p:cSld>
+    <p:spTree>
+      <p:nvGrpSpPr>
+        <p:cNvPr id="1" name=""/>
+        <p:cNvGrpSpPr/>
+        <p:nvPr/>
+      </p:nvGrpSpPr>
+      <p:grpSpPr>
+        <a:xfrm>
+          <a:off x="0" y="0"/>
+          <a:ext cx="0" cy="0"/>
+          <a:chOff x="0" y="0"/>
+          <a:chExt cx="0" cy="0"/>
+        </a:xfrm>
+      </p:grpSpPr>
+      <p:pic>
+        <p:nvPicPr>
+          <p:cNvPr descr="image-13-2.png" id="2" name="Media File"/>
+          <p:cNvPicPr>
+            <a:picLocks noChangeAspect="1"/>
+          </p:cNvPicPr>
+          <p:nvPr/>
+        </p:nvPicPr>
+        <p:blipFill>
+          <a:blip cstate="print" r:embed="rId2"/>
+          <a:stretch>
+            <a:fillRect/>
+          </a:stretch>
+        </p:blipFill>
+        <p:spPr>
+          <a:xfrm>
+            <a:off x="0" y="228600"/>
+            <a:ext cx="9144000" cy="6858000"/>
+          </a:xfrm>
+          <a:prstGeom prst="rect">
+            <a:avLst/>
+          </a:prstGeom>
+        </p:spPr>
+      </p:pic>
+    </p:spTree>
+  </p:cSld>
+  <p:clrMapOvr>
+    <a:masterClrMapping/>
+  </p:clrMapOvr>
+</p:sld>
+</file>
+
+<file path=ppt/slides/slide14.xml><?xml version="1.0" encoding="utf-8"?>
+<p:sld xmlns:p="http://schemas.openxmlformats.org/presentationml/2006/main" xmlns:a="http://schemas.openxmlformats.org/drawingml/2006/main" xmlns:r="http://schemas.openxmlformats.org/officeDocument/2006/relationships">
+  <p:cSld>
+    <p:spTree>
+      <p:nvGrpSpPr>
+        <p:cNvPr id="1" name=""/>
+        <p:cNvGrpSpPr/>
+        <p:nvPr/>
+      </p:nvGrpSpPr>
+      <p:grpSpPr>
+        <a:xfrm>
+          <a:off x="0" y="0"/>
+          <a:ext cx="0" cy="0"/>
+          <a:chOff x="0" y="0"/>
+          <a:chExt cx="0" cy="0"/>
+        </a:xfrm>
+      </p:grpSpPr>
+      <p:pic>
+        <p:nvPicPr>
+          <p:cNvPr descr="image-14-2.png" id="2" name="Media File"/>
+          <p:cNvPicPr>
+            <a:picLocks noChangeAspect="1"/>
+          </p:cNvPicPr>
+          <p:nvPr/>
+        </p:nvPicPr>
+        <p:blipFill>
+          <a:blip cstate="print" r:embed="rId2"/>
+          <a:stretch>
+            <a:fillRect/>
+          </a:stretch>
+        </p:blipFill>
+        <p:spPr>
+          <a:xfrm>
+            <a:off x="0" y="228600"/>
+            <a:ext cx="9144000" cy="6858000"/>
+          </a:xfrm>
+          <a:prstGeom prst="rect">
+            <a:avLst/>
+          </a:prstGeom>
+        </p:spPr>
+      </p:pic>
+    </p:spTree>
+  </p:cSld>
+  <p:clrMapOvr>
+    <a:masterClrMapping/>
+  </p:clrMapOvr>
+</p:sld>
+</file>
+
+<file path=ppt/slides/slide15.xml><?xml version="1.0" encoding="utf-8"?>
+<p:sld xmlns:p="http://schemas.openxmlformats.org/presentationml/2006/main" xmlns:a="http://schemas.openxmlformats.org/drawingml/2006/main" xmlns:r="http://schemas.openxmlformats.org/officeDocument/2006/relationships">
+  <p:cSld>
+    <p:spTree>
+      <p:nvGrpSpPr>
+        <p:cNvPr id="1" name=""/>
+        <p:cNvGrpSpPr/>
+        <p:nvPr/>
+      </p:nvGrpSpPr>
+      <p:grpSpPr>
+        <a:xfrm>
+          <a:off x="0" y="0"/>
+          <a:ext cx="0" cy="0"/>
+          <a:chOff x="0" y="0"/>
+          <a:chExt cx="0" cy="0"/>
+        </a:xfrm>
+      </p:grpSpPr>
+      <p:pic>
+        <p:nvPicPr>
+          <p:cNvPr descr="image-15-2.png" id="2" name="Media File"/>
+          <p:cNvPicPr>
+            <a:picLocks noChangeAspect="1"/>
+          </p:cNvPicPr>
+          <p:nvPr/>
+        </p:nvPicPr>
+        <p:blipFill>
+          <a:blip cstate="print" r:embed="rId2"/>
+          <a:stretch>
+            <a:fillRect/>
+          </a:stretch>
+        </p:blipFill>
+        <p:spPr>
+          <a:xfrm>
+            <a:off x="0" y="228600"/>
+            <a:ext cx="9144000" cy="6858000"/>
+          </a:xfrm>
+          <a:prstGeom prst="rect">
+            <a:avLst/>
+          </a:prstGeom>
+        </p:spPr>
+      </p:pic>
+    </p:spTree>
+  </p:cSld>
+  <p:clrMapOvr>
+    <a:masterClrMapping/>
+  </p:clrMapOvr>
+</p:sld>
+</file>
+
+<file path=ppt/slides/slide16.xml><?xml version="1.0" encoding="utf-8"?>
+<p:sld xmlns:p="http://schemas.openxmlformats.org/presentationml/2006/main" xmlns:a="http://schemas.openxmlformats.org/drawingml/2006/main" xmlns:r="http://schemas.openxmlformats.org/officeDocument/2006/relationships">
+  <p:cSld>
+    <p:spTree>
+      <p:nvGrpSpPr>
+        <p:cNvPr id="1" name=""/>
+        <p:cNvGrpSpPr/>
+        <p:nvPr/>
+      </p:nvGrpSpPr>
+      <p:grpSpPr>
+        <a:xfrm>
+          <a:off x="0" y="0"/>
+          <a:ext cx="0" cy="0"/>
+          <a:chOff x="0" y="0"/>
+          <a:chExt cx="0" cy="0"/>
+        </a:xfrm>
+      </p:grpSpPr>
+      <p:pic>
+        <p:nvPicPr>
+          <p:cNvPr descr="image-16-2.png" id="2" name="Media File"/>
+          <p:cNvPicPr>
+            <a:picLocks noChangeAspect="1"/>
+          </p:cNvPicPr>
+          <p:nvPr/>
+        </p:nvPicPr>
+        <p:blipFill>
+          <a:blip cstate="print" r:embed="rId2"/>
+          <a:stretch>
+            <a:fillRect/>
+          </a:stretch>
+        </p:blipFill>
+        <p:spPr>
+          <a:xfrm>
+            <a:off x="0" y="228600"/>
+            <a:ext cx="9144000" cy="6858000"/>
+          </a:xfrm>
+          <a:prstGeom prst="rect">
+            <a:avLst/>
+          </a:prstGeom>
+        </p:spPr>
+      </p:pic>
+    </p:spTree>
+  </p:cSld>
+  <p:clrMapOvr>
+    <a:masterClrMapping/>
+  </p:clrMapOvr>
+</p:sld>
+</file>
+
+<file path=ppt/slides/slide17.xml><?xml version="1.0" encoding="utf-8"?>
+<p:sld xmlns:p="http://schemas.openxmlformats.org/presentationml/2006/main" xmlns:a="http://schemas.openxmlformats.org/drawingml/2006/main" xmlns:r="http://schemas.openxmlformats.org/officeDocument/2006/relationships">
+  <p:cSld>
+    <p:spTree>
+      <p:nvGrpSpPr>
+        <p:cNvPr id="1" name=""/>
+        <p:cNvGrpSpPr/>
+        <p:nvPr/>
+      </p:nvGrpSpPr>
+      <p:grpSpPr>
+        <a:xfrm>
+          <a:off x="0" y="0"/>
+          <a:ext cx="0" cy="0"/>
+          <a:chOff x="0" y="0"/>
+          <a:chExt cx="0" cy="0"/>
+        </a:xfrm>
+      </p:grpSpPr>
+      <p:sp>
+        <p:nvSpPr>
+          <p:cNvPr id="2" name="TextBox"/>
+          <p:cNvSpPr txBox="1"/>
+          <p:nvPr/>
+        </p:nvSpPr>
+        <p:spPr>
+          <a:xfrm rot="0">
+            <a:off x="0" y="0"/>
+            <a:ext cx="9144000" cy="7315200"/>
+          </a:xfrm>
+          <a:prstGeom prst="rect">
+            <a:avLst/>
+          </a:prstGeom>
+          <a:noFill/>
+        </p:spPr>
+        <p:txBody>
+          <a:bodyPr anchor="ctr" rtlCol="0" wrap="square"/>
+          <a:lstStyle/>
+          <a:p>
+            <a:pPr algn="ctr"/>
+            <a:r>
+              <a:rPr dirty="0" lang="en-US" smtClean="0" sz="4800"/>
+              <a:t>Test Subplot</a:t>
+            </a:r>
+            <a:endParaRPr dirty="0" lang="en-US"/>
+          </a:p>
+        </p:txBody>
+      </p:sp>
+    </p:spTree>
+  </p:cSld>
+  <p:clrMapOvr>
+    <a:masterClrMapping/>
+  </p:clrMapOvr>
+</p:sld>
+</file>
+
+<file path=ppt/slides/slide18.xml><?xml version="1.0" encoding="utf-8"?>
+<p:sld xmlns:p="http://schemas.openxmlformats.org/presentationml/2006/main" xmlns:a="http://schemas.openxmlformats.org/drawingml/2006/main" xmlns:r="http://schemas.openxmlformats.org/officeDocument/2006/relationships">
+  <p:cSld>
+    <p:spTree>
+      <p:nvGrpSpPr>
+        <p:cNvPr id="1" name=""/>
+        <p:cNvGrpSpPr/>
+        <p:nvPr/>
+      </p:nvGrpSpPr>
+      <p:grpSpPr>
+        <a:xfrm>
+          <a:off x="0" y="0"/>
+          <a:ext cx="0" cy="0"/>
+          <a:chOff x="0" y="0"/>
+          <a:chExt cx="0" cy="0"/>
+        </a:xfrm>
+      </p:grpSpPr>
+      <p:pic>
+        <p:nvPicPr>
+          <p:cNvPr descr="image-18-2.png" id="2" name="Media File"/>
+          <p:cNvPicPr>
+            <a:picLocks noChangeAspect="1"/>
+          </p:cNvPicPr>
+          <p:nvPr/>
+        </p:nvPicPr>
+        <p:blipFill>
+          <a:blip cstate="print" r:embed="rId2"/>
+          <a:stretch>
+            <a:fillRect/>
+          </a:stretch>
+        </p:blipFill>
+        <p:spPr>
+          <a:xfrm>
+            <a:off x="0" y="228600"/>
+            <a:ext cx="9144000" cy="6858000"/>
+          </a:xfrm>
+          <a:prstGeom prst="rect">
+            <a:avLst/>
+          </a:prstGeom>
+        </p:spPr>
+      </p:pic>
+    </p:spTree>
+  </p:cSld>
+  <p:clrMapOvr>
+    <a:masterClrMapping/>
+  </p:clrMapOvr>
+</p:sld>
+</file>
+
+<file path=ppt/slides/slide19.xml><?xml version="1.0" encoding="utf-8"?>
+<p:sld xmlns:p="http://schemas.openxmlformats.org/presentationml/2006/main" xmlns:a="http://schemas.openxmlformats.org/drawingml/2006/main" xmlns:r="http://schemas.openxmlformats.org/officeDocument/2006/relationships">
+  <p:cSld>
+    <p:spTree>
+      <p:nvGrpSpPr>
+        <p:cNvPr id="1" name=""/>
+        <p:cNvGrpSpPr/>
+        <p:nvPr/>
+      </p:nvGrpSpPr>
+      <p:grpSpPr>
+        <a:xfrm>
+          <a:off x="0" y="0"/>
+          <a:ext cx="0" cy="0"/>
+          <a:chOff x="0" y="0"/>
+          <a:chExt cx="0" cy="0"/>
+        </a:xfrm>
+      </p:grpSpPr>
+      <p:pic>
+        <p:nvPicPr>
+          <p:cNvPr descr="image-19-2.png" id="2" name="Media File"/>
+          <p:cNvPicPr>
+            <a:picLocks noChangeAspect="1"/>
+          </p:cNvPicPr>
+          <p:nvPr/>
+        </p:nvPicPr>
+        <p:blipFill>
+          <a:blip cstate="print" r:embed="rId2"/>
+          <a:stretch>
+            <a:fillRect/>
+          </a:stretch>
+        </p:blipFill>
+        <p:spPr>
+          <a:xfrm>
+            <a:off x="0" y="228600"/>
+            <a:ext cx="9144000" cy="6858000"/>
+          </a:xfrm>
+          <a:prstGeom prst="rect">
+            <a:avLst/>
+          </a:prstGeom>
+        </p:spPr>
+      </p:pic>
+    </p:spTree>
+  </p:cSld>
+  <p:clrMapOvr>
+    <a:masterClrMapping/>
+  </p:clrMapOvr>
+</p:sld>
+</file>
+
 <file path=ppt/slides/slide2.xml><?xml version="1.0" encoding="utf-8"?>
+<p:sld xmlns:p="http://schemas.openxmlformats.org/presentationml/2006/main" xmlns:a="http://schemas.openxmlformats.org/drawingml/2006/main" xmlns:r="http://schemas.openxmlformats.org/officeDocument/2006/relationships">
+  <p:cSld>
+    <p:spTree>
+      <p:nvGrpSpPr>
+        <p:cNvPr id="1" name=""/>
+        <p:cNvGrpSpPr/>
+        <p:nvPr/>
+      </p:nvGrpSpPr>
+      <p:grpSpPr>
+        <a:xfrm>
+          <a:off x="0" y="0"/>
+          <a:ext cx="0" cy="0"/>
+          <a:chOff x="0" y="0"/>
+          <a:chExt cx="0" cy="0"/>
+        </a:xfrm>
+      </p:grpSpPr>
+      <p:sp>
+        <p:nvSpPr>
+          <p:cNvPr id="2" name="TextBox"/>
+          <p:cNvSpPr txBox="1"/>
+          <p:nvPr/>
+        </p:nvSpPr>
+        <p:spPr>
+          <a:xfrm rot="0">
+            <a:off x="0" y="0"/>
+            <a:ext cx="9144000" cy="7315200"/>
+          </a:xfrm>
+          <a:prstGeom prst="rect">
+            <a:avLst/>
+          </a:prstGeom>
+          <a:noFill/>
+        </p:spPr>
+        <p:txBody>
+          <a:bodyPr anchor="ctr" rtlCol="0" wrap="square"/>
+          <a:lstStyle/>
+          <a:p>
+            <a:pPr algn="ctr"/>
+            <a:r>
+              <a:rPr dirty="0" lang="en-US" smtClean="0" sz="4800"/>
+              <a:t>Control</a:t>
+            </a:r>
+            <a:endParaRPr dirty="0" lang="en-US"/>
+          </a:p>
+        </p:txBody>
+      </p:sp>
+    </p:spTree>
+  </p:cSld>
+  <p:clrMapOvr>
+    <a:masterClrMapping/>
+  </p:clrMapOvr>
+</p:sld>
+</file>
+
+<file path=ppt/slides/slide3.xml><?xml version="1.0" encoding="utf-8"?>
+<p:sld xmlns:p="http://schemas.openxmlformats.org/presentationml/2006/main" xmlns:a="http://schemas.openxmlformats.org/drawingml/2006/main" xmlns:r="http://schemas.openxmlformats.org/officeDocument/2006/relationships">
+  <p:cSld>
+    <p:spTree>
+      <p:nvGrpSpPr>
+        <p:cNvPr id="1" name=""/>
+        <p:cNvGrpSpPr/>
+        <p:nvPr/>
+      </p:nvGrpSpPr>
+      <p:grpSpPr>
+        <a:xfrm>
+          <a:off x="0" y="0"/>
+          <a:ext cx="0" cy="0"/>
+          <a:chOff x="0" y="0"/>
+          <a:chExt cx="0" cy="0"/>
+        </a:xfrm>
+      </p:grpSpPr>
+      <p:pic>
+        <p:nvPicPr>
+          <p:cNvPr descr="image-3-2.png" id="2" name="Media File"/>
+          <p:cNvPicPr>
+            <a:picLocks noChangeAspect="1"/>
+          </p:cNvPicPr>
+          <p:nvPr/>
+        </p:nvPicPr>
+        <p:blipFill>
+          <a:blip cstate="print" r:embed="rId2"/>
+          <a:stretch>
+            <a:fillRect/>
+          </a:stretch>
+        </p:blipFill>
+        <p:spPr>
+          <a:xfrm>
+            <a:off x="0" y="228600"/>
+            <a:ext cx="9144000" cy="6858000"/>
+          </a:xfrm>
+          <a:prstGeom prst="rect">
+            <a:avLst/>
+          </a:prstGeom>
+        </p:spPr>
+      </p:pic>
+    </p:spTree>
+  </p:cSld>
+  <p:clrMapOvr>
+    <a:masterClrMapping/>
+  </p:clrMapOvr>
+</p:sld>
+</file>
+
+<file path=ppt/slides/slide4.xml><?xml version="1.0" encoding="utf-8"?>
+<p:sld xmlns:p="http://schemas.openxmlformats.org/presentationml/2006/main" xmlns:a="http://schemas.openxmlformats.org/drawingml/2006/main" xmlns:r="http://schemas.openxmlformats.org/officeDocument/2006/relationships">
+  <p:cSld>
+    <p:spTree>
+      <p:nvGrpSpPr>
+        <p:cNvPr id="1" name=""/>
+        <p:cNvGrpSpPr/>
+        <p:nvPr/>
+      </p:nvGrpSpPr>
+      <p:grpSpPr>
+        <a:xfrm>
+          <a:off x="0" y="0"/>
+          <a:ext cx="0" cy="0"/>
+          <a:chOff x="0" y="0"/>
+          <a:chExt cx="0" cy="0"/>
+        </a:xfrm>
+      </p:grpSpPr>
+      <p:pic>
+        <p:nvPicPr>
+          <p:cNvPr descr="image-4-2.png" id="2" name="Media File"/>
+          <p:cNvPicPr>
+            <a:picLocks noChangeAspect="1"/>
+          </p:cNvPicPr>
+          <p:nvPr/>
+        </p:nvPicPr>
+        <p:blipFill>
+          <a:blip cstate="print" r:embed="rId2"/>
+          <a:stretch>
+            <a:fillRect/>
+          </a:stretch>
+        </p:blipFill>
+        <p:spPr>
+          <a:xfrm>
+            <a:off x="0" y="228600"/>
+            <a:ext cx="9144000" cy="6858000"/>
+          </a:xfrm>
+          <a:prstGeom prst="rect">
+            <a:avLst/>
+          </a:prstGeom>
+        </p:spPr>
+      </p:pic>
+    </p:spTree>
+  </p:cSld>
+  <p:clrMapOvr>
+    <a:masterClrMapping/>
+  </p:clrMapOvr>
+</p:sld>
+</file>
+
+<file path=ppt/slides/slide5.xml><?xml version="1.0" encoding="utf-8"?>
 <p:sld xmlns:p="http://schemas.openxmlformats.org/presentationml/2006/main" xmlns:a="http://schemas.openxmlformats.org/drawingml/2006/main" xmlns:r="http://schemas.openxmlformats.org/officeDocument/2006/relationships">
   <p:cSld>
     <p:spTree>
@@ -228,7 +891,7 @@
 </p:sld>
 </file>
 
-<file path=ppt/slides/slide3.xml><?xml version="1.0" encoding="utf-8"?>
+<file path=ppt/slides/slide6.xml><?xml version="1.0" encoding="utf-8"?>
 <p:sld xmlns:p="http://schemas.openxmlformats.org/presentationml/2006/main" xmlns:a="http://schemas.openxmlformats.org/drawingml/2006/main" xmlns:r="http://schemas.openxmlformats.org/officeDocument/2006/relationships">
   <p:cSld>
     <p:spTree>
@@ -247,7 +910,7 @@
       </p:grpSpPr>
       <p:pic>
         <p:nvPicPr>
-          <p:cNvPr descr="image-3-2.png" id="2" name="Media File"/>
+          <p:cNvPr descr="image-6-2.png" id="2" name="Media File"/>
           <p:cNvPicPr>
             <a:picLocks noChangeAspect="1"/>
           </p:cNvPicPr>
@@ -277,7 +940,7 @@
 </p:sld>
 </file>
 
-<file path=ppt/slides/slide4.xml><?xml version="1.0" encoding="utf-8"?>
+<file path=ppt/slides/slide7.xml><?xml version="1.0" encoding="utf-8"?>
 <p:sld xmlns:p="http://schemas.openxmlformats.org/presentationml/2006/main" xmlns:a="http://schemas.openxmlformats.org/drawingml/2006/main" xmlns:r="http://schemas.openxmlformats.org/officeDocument/2006/relationships">
   <p:cSld>
     <p:spTree>
@@ -331,7 +994,7 @@
 </p:sld>
 </file>
 
-<file path=ppt/slides/slide5.xml><?xml version="1.0" encoding="utf-8"?>
+<file path=ppt/slides/slide8.xml><?xml version="1.0" encoding="utf-8"?>
 <p:sld xmlns:p="http://schemas.openxmlformats.org/presentationml/2006/main" xmlns:a="http://schemas.openxmlformats.org/drawingml/2006/main" xmlns:r="http://schemas.openxmlformats.org/officeDocument/2006/relationships">
   <p:cSld>
     <p:spTree>
@@ -350,7 +1013,7 @@
       </p:grpSpPr>
       <p:pic>
         <p:nvPicPr>
-          <p:cNvPr descr="image-5-2.png" id="2" name="Media File"/>
+          <p:cNvPr descr="image-8-2.png" id="2" name="Media File"/>
           <p:cNvPicPr>
             <a:picLocks noChangeAspect="1"/>
           </p:cNvPicPr>
@@ -380,7 +1043,7 @@
 </p:sld>
 </file>
 
-<file path=ppt/slides/slide6.xml><?xml version="1.0" encoding="utf-8"?>
+<file path=ppt/slides/slide9.xml><?xml version="1.0" encoding="utf-8"?>
 <p:sld xmlns:p="http://schemas.openxmlformats.org/presentationml/2006/main" xmlns:a="http://schemas.openxmlformats.org/drawingml/2006/main" xmlns:r="http://schemas.openxmlformats.org/officeDocument/2006/relationships">
   <p:cSld>
     <p:spTree>
@@ -426,104 +1089,6 @@
           </a:p>
         </p:txBody>
       </p:sp>
-    </p:spTree>
-  </p:cSld>
-  <p:clrMapOvr>
-    <a:masterClrMapping/>
-  </p:clrMapOvr>
-</p:sld>
-</file>
-
-<file path=ppt/slides/slide7.xml><?xml version="1.0" encoding="utf-8"?>
-<p:sld xmlns:p="http://schemas.openxmlformats.org/presentationml/2006/main" xmlns:a="http://schemas.openxmlformats.org/drawingml/2006/main" xmlns:r="http://schemas.openxmlformats.org/officeDocument/2006/relationships">
-  <p:cSld>
-    <p:spTree>
-      <p:nvGrpSpPr>
-        <p:cNvPr id="1" name=""/>
-        <p:cNvGrpSpPr/>
-        <p:nvPr/>
-      </p:nvGrpSpPr>
-      <p:grpSpPr>
-        <a:xfrm>
-          <a:off x="0" y="0"/>
-          <a:ext cx="0" cy="0"/>
-          <a:chOff x="0" y="0"/>
-          <a:chExt cx="0" cy="0"/>
-        </a:xfrm>
-      </p:grpSpPr>
-      <p:pic>
-        <p:nvPicPr>
-          <p:cNvPr descr="image-7-2.png" id="2" name="Media File"/>
-          <p:cNvPicPr>
-            <a:picLocks noChangeAspect="1"/>
-          </p:cNvPicPr>
-          <p:nvPr/>
-        </p:nvPicPr>
-        <p:blipFill>
-          <a:blip cstate="print" r:embed="rId2"/>
-          <a:stretch>
-            <a:fillRect/>
-          </a:stretch>
-        </p:blipFill>
-        <p:spPr>
-          <a:xfrm>
-            <a:off x="0" y="228600"/>
-            <a:ext cx="9144000" cy="6858000"/>
-          </a:xfrm>
-          <a:prstGeom prst="rect">
-            <a:avLst/>
-          </a:prstGeom>
-        </p:spPr>
-      </p:pic>
-    </p:spTree>
-  </p:cSld>
-  <p:clrMapOvr>
-    <a:masterClrMapping/>
-  </p:clrMapOvr>
-</p:sld>
-</file>
-
-<file path=ppt/slides/slide8.xml><?xml version="1.0" encoding="utf-8"?>
-<p:sld xmlns:p="http://schemas.openxmlformats.org/presentationml/2006/main" xmlns:a="http://schemas.openxmlformats.org/drawingml/2006/main" xmlns:r="http://schemas.openxmlformats.org/officeDocument/2006/relationships">
-  <p:cSld>
-    <p:spTree>
-      <p:nvGrpSpPr>
-        <p:cNvPr id="1" name=""/>
-        <p:cNvGrpSpPr/>
-        <p:nvPr/>
-      </p:nvGrpSpPr>
-      <p:grpSpPr>
-        <a:xfrm>
-          <a:off x="0" y="0"/>
-          <a:ext cx="0" cy="0"/>
-          <a:chOff x="0" y="0"/>
-          <a:chExt cx="0" cy="0"/>
-        </a:xfrm>
-      </p:grpSpPr>
-      <p:pic>
-        <p:nvPicPr>
-          <p:cNvPr descr="image-8-2.png" id="2" name="Media File"/>
-          <p:cNvPicPr>
-            <a:picLocks noChangeAspect="1"/>
-          </p:cNvPicPr>
-          <p:nvPr/>
-        </p:nvPicPr>
-        <p:blipFill>
-          <a:blip cstate="print" r:embed="rId2"/>
-          <a:stretch>
-            <a:fillRect/>
-          </a:stretch>
-        </p:blipFill>
-        <p:spPr>
-          <a:xfrm>
-            <a:off x="0" y="228600"/>
-            <a:ext cx="9144000" cy="6858000"/>
-          </a:xfrm>
-          <a:prstGeom prst="rect">
-            <a:avLst/>
-          </a:prstGeom>
-        </p:spPr>
-      </p:pic>
     </p:spTree>
   </p:cSld>
   <p:clrMapOvr>
